--- a/materials/ch06/ch06-小程序安全域名.pptx
+++ b/materials/ch06/ch06-小程序安全域名.pptx
@@ -12,6 +12,7 @@
     <p:sldId id="276" r:id="rId6"/>
     <p:sldId id="277" r:id="rId7"/>
     <p:sldId id="278" r:id="rId8"/>
+    <p:sldId id="279" r:id="rId9"/>
   </p:sldIdLst>
   <p:sldSz cx="12192000" cy="6858000"/>
   <p:notesSz cx="6858000" cy="9144000"/>
@@ -122,6 +123,7 @@
             <p14:sldId id="276"/>
             <p14:sldId id="277"/>
             <p14:sldId id="278"/>
+            <p14:sldId id="279"/>
           </p14:sldIdLst>
         </p14:section>
         <p14:section name="无标题节" id="{70FD2762-EEE5-4F2A-ADA9-74F2D228DBDA}">
@@ -295,7 +297,7 @@
           <a:p>
             <a:fld id="{BBF6169D-416D-4C06-B08B-5CE62A641987}" type="datetimeFigureOut">
               <a:rPr lang="zh-CN" altLang="en-US" smtClean="0"/>
-              <a:t>2019/8/31</a:t>
+              <a:t>2019/9/1</a:t>
             </a:fld>
             <a:endParaRPr lang="zh-CN" altLang="en-US"/>
           </a:p>
@@ -493,7 +495,7 @@
           <a:p>
             <a:fld id="{BBF6169D-416D-4C06-B08B-5CE62A641987}" type="datetimeFigureOut">
               <a:rPr lang="zh-CN" altLang="en-US" smtClean="0"/>
-              <a:t>2019/8/31</a:t>
+              <a:t>2019/9/1</a:t>
             </a:fld>
             <a:endParaRPr lang="zh-CN" altLang="en-US"/>
           </a:p>
@@ -701,7 +703,7 @@
           <a:p>
             <a:fld id="{BBF6169D-416D-4C06-B08B-5CE62A641987}" type="datetimeFigureOut">
               <a:rPr lang="zh-CN" altLang="en-US" smtClean="0"/>
-              <a:t>2019/8/31</a:t>
+              <a:t>2019/9/1</a:t>
             </a:fld>
             <a:endParaRPr lang="zh-CN" altLang="en-US"/>
           </a:p>
@@ -899,7 +901,7 @@
           <a:p>
             <a:fld id="{BBF6169D-416D-4C06-B08B-5CE62A641987}" type="datetimeFigureOut">
               <a:rPr lang="zh-CN" altLang="en-US" smtClean="0"/>
-              <a:t>2019/8/31</a:t>
+              <a:t>2019/9/1</a:t>
             </a:fld>
             <a:endParaRPr lang="zh-CN" altLang="en-US"/>
           </a:p>
@@ -1174,7 +1176,7 @@
           <a:p>
             <a:fld id="{BBF6169D-416D-4C06-B08B-5CE62A641987}" type="datetimeFigureOut">
               <a:rPr lang="zh-CN" altLang="en-US" smtClean="0"/>
-              <a:t>2019/8/31</a:t>
+              <a:t>2019/9/1</a:t>
             </a:fld>
             <a:endParaRPr lang="zh-CN" altLang="en-US"/>
           </a:p>
@@ -1439,7 +1441,7 @@
           <a:p>
             <a:fld id="{BBF6169D-416D-4C06-B08B-5CE62A641987}" type="datetimeFigureOut">
               <a:rPr lang="zh-CN" altLang="en-US" smtClean="0"/>
-              <a:t>2019/8/31</a:t>
+              <a:t>2019/9/1</a:t>
             </a:fld>
             <a:endParaRPr lang="zh-CN" altLang="en-US"/>
           </a:p>
@@ -1851,7 +1853,7 @@
           <a:p>
             <a:fld id="{BBF6169D-416D-4C06-B08B-5CE62A641987}" type="datetimeFigureOut">
               <a:rPr lang="zh-CN" altLang="en-US" smtClean="0"/>
-              <a:t>2019/8/31</a:t>
+              <a:t>2019/9/1</a:t>
             </a:fld>
             <a:endParaRPr lang="zh-CN" altLang="en-US"/>
           </a:p>
@@ -1992,7 +1994,7 @@
           <a:p>
             <a:fld id="{BBF6169D-416D-4C06-B08B-5CE62A641987}" type="datetimeFigureOut">
               <a:rPr lang="zh-CN" altLang="en-US" smtClean="0"/>
-              <a:t>2019/8/31</a:t>
+              <a:t>2019/9/1</a:t>
             </a:fld>
             <a:endParaRPr lang="zh-CN" altLang="en-US"/>
           </a:p>
@@ -2105,7 +2107,7 @@
           <a:p>
             <a:fld id="{BBF6169D-416D-4C06-B08B-5CE62A641987}" type="datetimeFigureOut">
               <a:rPr lang="zh-CN" altLang="en-US" smtClean="0"/>
-              <a:t>2019/8/31</a:t>
+              <a:t>2019/9/1</a:t>
             </a:fld>
             <a:endParaRPr lang="zh-CN" altLang="en-US"/>
           </a:p>
@@ -2416,7 +2418,7 @@
           <a:p>
             <a:fld id="{BBF6169D-416D-4C06-B08B-5CE62A641987}" type="datetimeFigureOut">
               <a:rPr lang="zh-CN" altLang="en-US" smtClean="0"/>
-              <a:t>2019/8/31</a:t>
+              <a:t>2019/9/1</a:t>
             </a:fld>
             <a:endParaRPr lang="zh-CN" altLang="en-US"/>
           </a:p>
@@ -2704,7 +2706,7 @@
           <a:p>
             <a:fld id="{BBF6169D-416D-4C06-B08B-5CE62A641987}" type="datetimeFigureOut">
               <a:rPr lang="zh-CN" altLang="en-US" smtClean="0"/>
-              <a:t>2019/8/31</a:t>
+              <a:t>2019/9/1</a:t>
             </a:fld>
             <a:endParaRPr lang="zh-CN" altLang="en-US"/>
           </a:p>
@@ -2945,7 +2947,7 @@
           <a:p>
             <a:fld id="{BBF6169D-416D-4C06-B08B-5CE62A641987}" type="datetimeFigureOut">
               <a:rPr lang="zh-CN" altLang="en-US" smtClean="0"/>
-              <a:t>2019/8/31</a:t>
+              <a:t>2019/9/1</a:t>
             </a:fld>
             <a:endParaRPr lang="zh-CN" altLang="en-US"/>
           </a:p>
@@ -3414,9 +3416,10 @@
           <a:lstStyle/>
           <a:p>
             <a:r>
-              <a:rPr lang="zh-CN" altLang="en-US" sz="4000" dirty="0"/>
-              <a:t>小程序和远程请求</a:t>
-            </a:r>
+              <a:rPr lang="zh-CN" altLang="en-US" sz="4000"/>
+              <a:t>小程序安全域名</a:t>
+            </a:r>
+            <a:endParaRPr lang="zh-CN" altLang="en-US" sz="4000" dirty="0"/>
           </a:p>
         </p:txBody>
       </p:sp>
@@ -4469,6 +4472,89 @@
     <p:extLst>
       <p:ext uri="{BB962C8B-B14F-4D97-AF65-F5344CB8AC3E}">
         <p14:creationId xmlns:p14="http://schemas.microsoft.com/office/powerpoint/2010/main" val="3848222396"/>
+      </p:ext>
+    </p:extLst>
+  </p:cSld>
+  <p:clrMapOvr>
+    <a:masterClrMapping/>
+  </p:clrMapOvr>
+</p:sld>
+</file>
+
+<file path=ppt/slides/slide8.xml><?xml version="1.0" encoding="utf-8"?>
+<p:sld xmlns:a="http://schemas.openxmlformats.org/drawingml/2006/main" xmlns:r="http://schemas.openxmlformats.org/officeDocument/2006/relationships" xmlns:p="http://schemas.openxmlformats.org/presentationml/2006/main">
+  <p:cSld>
+    <p:spTree>
+      <p:nvGrpSpPr>
+        <p:cNvPr id="1" name=""/>
+        <p:cNvGrpSpPr/>
+        <p:nvPr/>
+      </p:nvGrpSpPr>
+      <p:grpSpPr>
+        <a:xfrm>
+          <a:off x="0" y="0"/>
+          <a:ext cx="0" cy="0"/>
+          <a:chOff x="0" y="0"/>
+          <a:chExt cx="0" cy="0"/>
+        </a:xfrm>
+      </p:grpSpPr>
+      <p:sp>
+        <p:nvSpPr>
+          <p:cNvPr id="2" name="标题 1">
+            <a:extLst>
+              <a:ext uri="{FF2B5EF4-FFF2-40B4-BE49-F238E27FC236}">
+                <a16:creationId xmlns:a16="http://schemas.microsoft.com/office/drawing/2014/main" id="{A3B1E560-FF97-42A8-9113-FAC037CAA9BC}"/>
+              </a:ext>
+            </a:extLst>
+          </p:cNvPr>
+          <p:cNvSpPr>
+            <a:spLocks noGrp="1"/>
+          </p:cNvSpPr>
+          <p:nvPr>
+            <p:ph type="title"/>
+          </p:nvPr>
+        </p:nvSpPr>
+        <p:spPr/>
+        <p:txBody>
+          <a:bodyPr/>
+          <a:lstStyle/>
+          <a:p>
+            <a:r>
+              <a:rPr lang="zh-CN" altLang="en-US" dirty="0"/>
+              <a:t>网络请求</a:t>
+            </a:r>
+          </a:p>
+        </p:txBody>
+      </p:sp>
+      <p:sp>
+        <p:nvSpPr>
+          <p:cNvPr id="3" name="内容占位符 2">
+            <a:extLst>
+              <a:ext uri="{FF2B5EF4-FFF2-40B4-BE49-F238E27FC236}">
+                <a16:creationId xmlns:a16="http://schemas.microsoft.com/office/drawing/2014/main" id="{857B8EFE-0A9F-4308-8E51-207D1293679F}"/>
+              </a:ext>
+            </a:extLst>
+          </p:cNvPr>
+          <p:cNvSpPr>
+            <a:spLocks noGrp="1"/>
+          </p:cNvSpPr>
+          <p:nvPr>
+            <p:ph idx="1"/>
+          </p:nvPr>
+        </p:nvSpPr>
+        <p:spPr/>
+        <p:txBody>
+          <a:bodyPr/>
+          <a:lstStyle/>
+          <a:p>
+            <a:endParaRPr lang="zh-CN" altLang="en-US"/>
+          </a:p>
+        </p:txBody>
+      </p:sp>
+    </p:spTree>
+    <p:extLst>
+      <p:ext uri="{BB962C8B-B14F-4D97-AF65-F5344CB8AC3E}">
+        <p14:creationId xmlns:p14="http://schemas.microsoft.com/office/powerpoint/2010/main" val="616465419"/>
       </p:ext>
     </p:extLst>
   </p:cSld>
